--- a/documentation/specification/media/Презентация/Презентация.pptx
+++ b/documentation/specification/media/Презентация/Презентация.pptx
@@ -5,16 +5,17 @@
     <p:sldMasterId id="2147483738" r:id="rId1"/>
   </p:sldMasterIdLst>
   <p:notesMasterIdLst>
-    <p:notesMasterId r:id="rId9"/>
+    <p:notesMasterId r:id="rId10"/>
   </p:notesMasterIdLst>
   <p:sldIdLst>
     <p:sldId id="256" r:id="rId2"/>
-    <p:sldId id="265" r:id="rId3"/>
+    <p:sldId id="268" r:id="rId3"/>
     <p:sldId id="260" r:id="rId4"/>
     <p:sldId id="262" r:id="rId5"/>
-    <p:sldId id="264" r:id="rId6"/>
-    <p:sldId id="266" r:id="rId7"/>
-    <p:sldId id="258" r:id="rId8"/>
+    <p:sldId id="267" r:id="rId6"/>
+    <p:sldId id="264" r:id="rId7"/>
+    <p:sldId id="266" r:id="rId8"/>
+    <p:sldId id="258" r:id="rId9"/>
   </p:sldIdLst>
   <p:sldSz cx="12192000" cy="6858000"/>
   <p:notesSz cx="6858000" cy="9144000"/>
@@ -113,6 +114,11 @@
       </a:defRPr>
     </a:lvl9pPr>
   </p:defaultTextStyle>
+  <p:extLst>
+    <p:ext uri="{EFAFB233-063F-42B5-8137-9DF3F51BA10A}">
+      <p15:sldGuideLst xmlns:p15="http://schemas.microsoft.com/office/powerpoint/2012/main"/>
+    </p:ext>
+  </p:extLst>
 </p:presentation>
 </file>
 
@@ -1149,6 +1155,13 @@
         </dgm:presLayoutVars>
       </dgm:prSet>
       <dgm:spPr/>
+      <dgm:t>
+        <a:bodyPr/>
+        <a:lstStyle/>
+        <a:p>
+          <a:endParaRPr lang="ru-RU"/>
+        </a:p>
+      </dgm:t>
     </dgm:pt>
     <dgm:pt modelId="{333B8621-2D3E-4E7A-898A-FBEA74977E85}" type="pres">
       <dgm:prSet presAssocID="{FB2A97E3-08BC-4212-82B4-440DC97D0DE8}" presName="parentLin" presStyleCnt="0"/>
@@ -1157,6 +1170,13 @@
     <dgm:pt modelId="{B31DD0AB-9C1B-4EBC-AC54-08C1846A7664}" type="pres">
       <dgm:prSet presAssocID="{FB2A97E3-08BC-4212-82B4-440DC97D0DE8}" presName="parentLeftMargin" presStyleLbl="node1" presStyleIdx="0" presStyleCnt="7"/>
       <dgm:spPr/>
+      <dgm:t>
+        <a:bodyPr/>
+        <a:lstStyle/>
+        <a:p>
+          <a:endParaRPr lang="ru-RU"/>
+        </a:p>
+      </dgm:t>
     </dgm:pt>
     <dgm:pt modelId="{7179DDCC-99E3-4C84-A199-E01C093D327F}" type="pres">
       <dgm:prSet presAssocID="{FB2A97E3-08BC-4212-82B4-440DC97D0DE8}" presName="parentText" presStyleLbl="node1" presStyleIdx="0" presStyleCnt="7">
@@ -1197,6 +1217,13 @@
     <dgm:pt modelId="{19C62967-732B-468C-ACA0-E9295AC9A166}" type="pres">
       <dgm:prSet presAssocID="{1AEBE270-625F-4FD0-BC2A-AF9736D5F854}" presName="parentLeftMargin" presStyleLbl="node1" presStyleIdx="0" presStyleCnt="7"/>
       <dgm:spPr/>
+      <dgm:t>
+        <a:bodyPr/>
+        <a:lstStyle/>
+        <a:p>
+          <a:endParaRPr lang="ru-RU"/>
+        </a:p>
+      </dgm:t>
     </dgm:pt>
     <dgm:pt modelId="{6ACEBF0A-4FBD-4FB2-B651-400079040A97}" type="pres">
       <dgm:prSet presAssocID="{1AEBE270-625F-4FD0-BC2A-AF9736D5F854}" presName="parentText" presStyleLbl="node1" presStyleIdx="1" presStyleCnt="7">
@@ -1206,6 +1233,13 @@
         </dgm:presLayoutVars>
       </dgm:prSet>
       <dgm:spPr/>
+      <dgm:t>
+        <a:bodyPr/>
+        <a:lstStyle/>
+        <a:p>
+          <a:endParaRPr lang="ru-RU"/>
+        </a:p>
+      </dgm:t>
     </dgm:pt>
     <dgm:pt modelId="{60B06925-C725-4562-B407-55F0FB37DF7B}" type="pres">
       <dgm:prSet presAssocID="{1AEBE270-625F-4FD0-BC2A-AF9736D5F854}" presName="negativeSpace" presStyleCnt="0"/>
@@ -1230,6 +1264,13 @@
     <dgm:pt modelId="{F6ECDAD4-A980-4957-ACF3-E52EA8F48E55}" type="pres">
       <dgm:prSet presAssocID="{38CB0F7D-8FFF-4875-8198-54356BC360B5}" presName="parentLeftMargin" presStyleLbl="node1" presStyleIdx="1" presStyleCnt="7"/>
       <dgm:spPr/>
+      <dgm:t>
+        <a:bodyPr/>
+        <a:lstStyle/>
+        <a:p>
+          <a:endParaRPr lang="ru-RU"/>
+        </a:p>
+      </dgm:t>
     </dgm:pt>
     <dgm:pt modelId="{17D70337-7181-4B22-A55C-B11C103EC08A}" type="pres">
       <dgm:prSet presAssocID="{38CB0F7D-8FFF-4875-8198-54356BC360B5}" presName="parentText" presStyleLbl="node1" presStyleIdx="2" presStyleCnt="7">
@@ -1270,6 +1311,13 @@
     <dgm:pt modelId="{55A5EA07-BC4C-4366-8170-03B4E489F425}" type="pres">
       <dgm:prSet presAssocID="{BA8D9B5A-100A-44CC-A4D4-FC58A65EB6A7}" presName="parentLeftMargin" presStyleLbl="node1" presStyleIdx="2" presStyleCnt="7"/>
       <dgm:spPr/>
+      <dgm:t>
+        <a:bodyPr/>
+        <a:lstStyle/>
+        <a:p>
+          <a:endParaRPr lang="ru-RU"/>
+        </a:p>
+      </dgm:t>
     </dgm:pt>
     <dgm:pt modelId="{56C216CA-AC30-4032-BCAD-FDD6D8FFDEDA}" type="pres">
       <dgm:prSet presAssocID="{BA8D9B5A-100A-44CC-A4D4-FC58A65EB6A7}" presName="parentText" presStyleLbl="node1" presStyleIdx="3" presStyleCnt="7">
@@ -1310,6 +1358,13 @@
     <dgm:pt modelId="{5FE08C06-E459-4519-AB44-46AF97710681}" type="pres">
       <dgm:prSet presAssocID="{CF6FC4B0-AC3D-421C-ADEC-A2BFE6FF6C6E}" presName="parentLeftMargin" presStyleLbl="node1" presStyleIdx="3" presStyleCnt="7"/>
       <dgm:spPr/>
+      <dgm:t>
+        <a:bodyPr/>
+        <a:lstStyle/>
+        <a:p>
+          <a:endParaRPr lang="ru-RU"/>
+        </a:p>
+      </dgm:t>
     </dgm:pt>
     <dgm:pt modelId="{7CFE5F16-C69D-4973-8AC2-379E727B1028}" type="pres">
       <dgm:prSet presAssocID="{CF6FC4B0-AC3D-421C-ADEC-A2BFE6FF6C6E}" presName="parentText" presStyleLbl="node1" presStyleIdx="4" presStyleCnt="7">
@@ -1350,6 +1405,13 @@
     <dgm:pt modelId="{0D6D1E03-9B91-4C30-9516-4C02C56B67F7}" type="pres">
       <dgm:prSet presAssocID="{F83E6FF8-389B-431F-B895-18CEFAAC8FF2}" presName="parentLeftMargin" presStyleLbl="node1" presStyleIdx="4" presStyleCnt="7"/>
       <dgm:spPr/>
+      <dgm:t>
+        <a:bodyPr/>
+        <a:lstStyle/>
+        <a:p>
+          <a:endParaRPr lang="ru-RU"/>
+        </a:p>
+      </dgm:t>
     </dgm:pt>
     <dgm:pt modelId="{29F3C343-3DEA-4F8A-95F2-41FC67105CF1}" type="pres">
       <dgm:prSet presAssocID="{F83E6FF8-389B-431F-B895-18CEFAAC8FF2}" presName="parentText" presStyleLbl="node1" presStyleIdx="5" presStyleCnt="7">
@@ -1390,6 +1452,13 @@
     <dgm:pt modelId="{8A1AC283-E051-444A-A2A4-B7788148DD16}" type="pres">
       <dgm:prSet presAssocID="{47C9F579-C31F-4985-BB46-AFA28F5AADE7}" presName="parentLeftMargin" presStyleLbl="node1" presStyleIdx="5" presStyleCnt="7"/>
       <dgm:spPr/>
+      <dgm:t>
+        <a:bodyPr/>
+        <a:lstStyle/>
+        <a:p>
+          <a:endParaRPr lang="ru-RU"/>
+        </a:p>
+      </dgm:t>
     </dgm:pt>
     <dgm:pt modelId="{BF2AC1D8-0043-417C-A4F0-948FF44D7D32}" type="pres">
       <dgm:prSet presAssocID="{47C9F579-C31F-4985-BB46-AFA28F5AADE7}" presName="parentText" presStyleLbl="node1" presStyleIdx="6" presStyleCnt="7">
@@ -1421,28 +1490,28 @@
     </dgm:pt>
   </dgm:ptLst>
   <dgm:cxnLst>
+    <dgm:cxn modelId="{F820A3ED-17B8-4EB2-BC2E-2BEB3A357C15}" srcId="{2C5BE1EF-7541-4BC6-8593-F1A15B6ADCE5}" destId="{47C9F579-C31F-4985-BB46-AFA28F5AADE7}" srcOrd="6" destOrd="0" parTransId="{F7F2A22E-17B9-4FEB-B40B-C7ABA29BA3DD}" sibTransId="{7B713203-DE0C-478C-B504-4E3E52702F48}"/>
+    <dgm:cxn modelId="{3ABD644E-7936-4251-B56B-CCBF17F63932}" type="presOf" srcId="{1AEBE270-625F-4FD0-BC2A-AF9736D5F854}" destId="{6ACEBF0A-4FBD-4FB2-B651-400079040A97}" srcOrd="1" destOrd="0" presId="urn:microsoft.com/office/officeart/2005/8/layout/list1"/>
+    <dgm:cxn modelId="{CAAF99D6-B30A-41C7-912E-A4DD10F9FE8D}" srcId="{2C5BE1EF-7541-4BC6-8593-F1A15B6ADCE5}" destId="{CF6FC4B0-AC3D-421C-ADEC-A2BFE6FF6C6E}" srcOrd="4" destOrd="0" parTransId="{0DD6C57E-71AE-4DEA-A8EC-1BE5717EFA4F}" sibTransId="{73C08C1B-8406-4D5D-B42D-71C3941893E9}"/>
     <dgm:cxn modelId="{E34B28E9-26DC-44BF-A98D-468023FDCBDB}" type="presOf" srcId="{F83E6FF8-389B-431F-B895-18CEFAAC8FF2}" destId="{29F3C343-3DEA-4F8A-95F2-41FC67105CF1}" srcOrd="1" destOrd="0" presId="urn:microsoft.com/office/officeart/2005/8/layout/list1"/>
-    <dgm:cxn modelId="{716CE48B-67E1-4921-B7B2-860CFCD87762}" type="presOf" srcId="{CF6FC4B0-AC3D-421C-ADEC-A2BFE6FF6C6E}" destId="{5FE08C06-E459-4519-AB44-46AF97710681}" srcOrd="0" destOrd="0" presId="urn:microsoft.com/office/officeart/2005/8/layout/list1"/>
+    <dgm:cxn modelId="{9ED7882C-739D-4BD6-A8AD-A5906F47195F}" srcId="{2C5BE1EF-7541-4BC6-8593-F1A15B6ADCE5}" destId="{F83E6FF8-389B-431F-B895-18CEFAAC8FF2}" srcOrd="5" destOrd="0" parTransId="{C51A5A1D-81E5-442A-BCDD-1D42E7FC3F0B}" sibTransId="{2DFE65A5-86A8-44AB-A219-A8066648DC44}"/>
+    <dgm:cxn modelId="{92489AB8-5A14-49E4-8848-FADC42055057}" srcId="{2C5BE1EF-7541-4BC6-8593-F1A15B6ADCE5}" destId="{1AEBE270-625F-4FD0-BC2A-AF9736D5F854}" srcOrd="1" destOrd="0" parTransId="{3F3AB67A-8764-4621-8250-6380DF45051B}" sibTransId="{77E7353A-4800-47E7-B54B-31A3B9E74976}"/>
+    <dgm:cxn modelId="{EFCF7E50-D1FE-4EAC-96A3-65181784252F}" type="presOf" srcId="{F83E6FF8-389B-431F-B895-18CEFAAC8FF2}" destId="{0D6D1E03-9B91-4C30-9516-4C02C56B67F7}" srcOrd="0" destOrd="0" presId="urn:microsoft.com/office/officeart/2005/8/layout/list1"/>
     <dgm:cxn modelId="{47092221-186D-43A5-B0F9-CD34E25FB98A}" type="presOf" srcId="{BA8D9B5A-100A-44CC-A4D4-FC58A65EB6A7}" destId="{56C216CA-AC30-4032-BCAD-FDD6D8FFDEDA}" srcOrd="1" destOrd="0" presId="urn:microsoft.com/office/officeart/2005/8/layout/list1"/>
-    <dgm:cxn modelId="{97207128-F2CC-4F6B-BAEC-BDBA31E379B5}" type="presOf" srcId="{47C9F579-C31F-4985-BB46-AFA28F5AADE7}" destId="{8A1AC283-E051-444A-A2A4-B7788148DD16}" srcOrd="0" destOrd="0" presId="urn:microsoft.com/office/officeart/2005/8/layout/list1"/>
-    <dgm:cxn modelId="{53FADB42-A612-4086-84EF-4065FF2A2A03}" srcId="{2C5BE1EF-7541-4BC6-8593-F1A15B6ADCE5}" destId="{BA8D9B5A-100A-44CC-A4D4-FC58A65EB6A7}" srcOrd="3" destOrd="0" parTransId="{75BCABE2-50B2-4F64-9A3A-CA06DCEAD398}" sibTransId="{5A306A28-EE26-4B84-A886-24CCC0BEA851}"/>
+    <dgm:cxn modelId="{4E2A14D0-0AAC-49BD-BB2A-40476C9CD0A3}" type="presOf" srcId="{CF6FC4B0-AC3D-421C-ADEC-A2BFE6FF6C6E}" destId="{7CFE5F16-C69D-4973-8AC2-379E727B1028}" srcOrd="1" destOrd="0" presId="urn:microsoft.com/office/officeart/2005/8/layout/list1"/>
     <dgm:cxn modelId="{A82520AE-F6B8-4542-8711-C3023E4D5FBA}" type="presOf" srcId="{38CB0F7D-8FFF-4875-8198-54356BC360B5}" destId="{F6ECDAD4-A980-4957-ACF3-E52EA8F48E55}" srcOrd="0" destOrd="0" presId="urn:microsoft.com/office/officeart/2005/8/layout/list1"/>
-    <dgm:cxn modelId="{2CABC204-BB9E-43F9-9E7C-503377D1E402}" type="presOf" srcId="{1AEBE270-625F-4FD0-BC2A-AF9736D5F854}" destId="{19C62967-732B-468C-ACA0-E9295AC9A166}" srcOrd="0" destOrd="0" presId="urn:microsoft.com/office/officeart/2005/8/layout/list1"/>
     <dgm:cxn modelId="{5A782691-4017-4E6D-A90D-38B9B70DFBAF}" type="presOf" srcId="{FB2A97E3-08BC-4212-82B4-440DC97D0DE8}" destId="{B31DD0AB-9C1B-4EBC-AC54-08C1846A7664}" srcOrd="0" destOrd="0" presId="urn:microsoft.com/office/officeart/2005/8/layout/list1"/>
-    <dgm:cxn modelId="{CAAF99D6-B30A-41C7-912E-A4DD10F9FE8D}" srcId="{2C5BE1EF-7541-4BC6-8593-F1A15B6ADCE5}" destId="{CF6FC4B0-AC3D-421C-ADEC-A2BFE6FF6C6E}" srcOrd="4" destOrd="0" parTransId="{0DD6C57E-71AE-4DEA-A8EC-1BE5717EFA4F}" sibTransId="{73C08C1B-8406-4D5D-B42D-71C3941893E9}"/>
-    <dgm:cxn modelId="{3ABD644E-7936-4251-B56B-CCBF17F63932}" type="presOf" srcId="{1AEBE270-625F-4FD0-BC2A-AF9736D5F854}" destId="{6ACEBF0A-4FBD-4FB2-B651-400079040A97}" srcOrd="1" destOrd="0" presId="urn:microsoft.com/office/officeart/2005/8/layout/list1"/>
-    <dgm:cxn modelId="{F820A3ED-17B8-4EB2-BC2E-2BEB3A357C15}" srcId="{2C5BE1EF-7541-4BC6-8593-F1A15B6ADCE5}" destId="{47C9F579-C31F-4985-BB46-AFA28F5AADE7}" srcOrd="6" destOrd="0" parTransId="{F7F2A22E-17B9-4FEB-B40B-C7ABA29BA3DD}" sibTransId="{7B713203-DE0C-478C-B504-4E3E52702F48}"/>
-    <dgm:cxn modelId="{2D932C0B-AC28-4C9E-B655-3B7DD617FBC0}" type="presOf" srcId="{FB2A97E3-08BC-4212-82B4-440DC97D0DE8}" destId="{7179DDCC-99E3-4C84-A199-E01C093D327F}" srcOrd="1" destOrd="0" presId="urn:microsoft.com/office/officeart/2005/8/layout/list1"/>
-    <dgm:cxn modelId="{92489AB8-5A14-49E4-8848-FADC42055057}" srcId="{2C5BE1EF-7541-4BC6-8593-F1A15B6ADCE5}" destId="{1AEBE270-625F-4FD0-BC2A-AF9736D5F854}" srcOrd="1" destOrd="0" parTransId="{3F3AB67A-8764-4621-8250-6380DF45051B}" sibTransId="{77E7353A-4800-47E7-B54B-31A3B9E74976}"/>
-    <dgm:cxn modelId="{39E4BF42-AE57-43D8-8E46-9171A6F46B60}" srcId="{2C5BE1EF-7541-4BC6-8593-F1A15B6ADCE5}" destId="{FB2A97E3-08BC-4212-82B4-440DC97D0DE8}" srcOrd="0" destOrd="0" parTransId="{5639792D-9FF2-44A8-AF79-87E6AEFFFE90}" sibTransId="{EBCA2DCE-3FF7-482E-822D-DFD5DA2D0164}"/>
-    <dgm:cxn modelId="{4E2A14D0-0AAC-49BD-BB2A-40476C9CD0A3}" type="presOf" srcId="{CF6FC4B0-AC3D-421C-ADEC-A2BFE6FF6C6E}" destId="{7CFE5F16-C69D-4973-8AC2-379E727B1028}" srcOrd="1" destOrd="0" presId="urn:microsoft.com/office/officeart/2005/8/layout/list1"/>
-    <dgm:cxn modelId="{DA00D4AF-D8A9-4803-B359-7B194B833C3E}" type="presOf" srcId="{47C9F579-C31F-4985-BB46-AFA28F5AADE7}" destId="{BF2AC1D8-0043-417C-A4F0-948FF44D7D32}" srcOrd="1" destOrd="0" presId="urn:microsoft.com/office/officeart/2005/8/layout/list1"/>
-    <dgm:cxn modelId="{83889E1A-FBA9-4E6B-9AFE-35BDE3B99E4E}" srcId="{2C5BE1EF-7541-4BC6-8593-F1A15B6ADCE5}" destId="{38CB0F7D-8FFF-4875-8198-54356BC360B5}" srcOrd="2" destOrd="0" parTransId="{D47D12E4-481B-4D09-8EAA-7389F1A0544B}" sibTransId="{A51D544B-99D8-43C5-9414-04ECF8A153D2}"/>
     <dgm:cxn modelId="{74D7B50E-0DE1-4CB6-BD8E-CA3D50E6FDC1}" type="presOf" srcId="{2C5BE1EF-7541-4BC6-8593-F1A15B6ADCE5}" destId="{AABE37A0-0D16-4766-BD13-80684C312A31}" srcOrd="0" destOrd="0" presId="urn:microsoft.com/office/officeart/2005/8/layout/list1"/>
     <dgm:cxn modelId="{25758B5E-D87D-4265-8D89-1CA2481599F8}" type="presOf" srcId="{38CB0F7D-8FFF-4875-8198-54356BC360B5}" destId="{17D70337-7181-4B22-A55C-B11C103EC08A}" srcOrd="1" destOrd="0" presId="urn:microsoft.com/office/officeart/2005/8/layout/list1"/>
-    <dgm:cxn modelId="{9ED7882C-739D-4BD6-A8AD-A5906F47195F}" srcId="{2C5BE1EF-7541-4BC6-8593-F1A15B6ADCE5}" destId="{F83E6FF8-389B-431F-B895-18CEFAAC8FF2}" srcOrd="5" destOrd="0" parTransId="{C51A5A1D-81E5-442A-BCDD-1D42E7FC3F0B}" sibTransId="{2DFE65A5-86A8-44AB-A219-A8066648DC44}"/>
-    <dgm:cxn modelId="{EFCF7E50-D1FE-4EAC-96A3-65181784252F}" type="presOf" srcId="{F83E6FF8-389B-431F-B895-18CEFAAC8FF2}" destId="{0D6D1E03-9B91-4C30-9516-4C02C56B67F7}" srcOrd="0" destOrd="0" presId="urn:microsoft.com/office/officeart/2005/8/layout/list1"/>
+    <dgm:cxn modelId="{97207128-F2CC-4F6B-BAEC-BDBA31E379B5}" type="presOf" srcId="{47C9F579-C31F-4985-BB46-AFA28F5AADE7}" destId="{8A1AC283-E051-444A-A2A4-B7788148DD16}" srcOrd="0" destOrd="0" presId="urn:microsoft.com/office/officeart/2005/8/layout/list1"/>
+    <dgm:cxn modelId="{2CABC204-BB9E-43F9-9E7C-503377D1E402}" type="presOf" srcId="{1AEBE270-625F-4FD0-BC2A-AF9736D5F854}" destId="{19C62967-732B-468C-ACA0-E9295AC9A166}" srcOrd="0" destOrd="0" presId="urn:microsoft.com/office/officeart/2005/8/layout/list1"/>
     <dgm:cxn modelId="{276277BD-5EDD-47EE-8027-B4FB940F96FA}" type="presOf" srcId="{BA8D9B5A-100A-44CC-A4D4-FC58A65EB6A7}" destId="{55A5EA07-BC4C-4366-8170-03B4E489F425}" srcOrd="0" destOrd="0" presId="urn:microsoft.com/office/officeart/2005/8/layout/list1"/>
+    <dgm:cxn modelId="{2D932C0B-AC28-4C9E-B655-3B7DD617FBC0}" type="presOf" srcId="{FB2A97E3-08BC-4212-82B4-440DC97D0DE8}" destId="{7179DDCC-99E3-4C84-A199-E01C093D327F}" srcOrd="1" destOrd="0" presId="urn:microsoft.com/office/officeart/2005/8/layout/list1"/>
+    <dgm:cxn modelId="{39E4BF42-AE57-43D8-8E46-9171A6F46B60}" srcId="{2C5BE1EF-7541-4BC6-8593-F1A15B6ADCE5}" destId="{FB2A97E3-08BC-4212-82B4-440DC97D0DE8}" srcOrd="0" destOrd="0" parTransId="{5639792D-9FF2-44A8-AF79-87E6AEFFFE90}" sibTransId="{EBCA2DCE-3FF7-482E-822D-DFD5DA2D0164}"/>
+    <dgm:cxn modelId="{83889E1A-FBA9-4E6B-9AFE-35BDE3B99E4E}" srcId="{2C5BE1EF-7541-4BC6-8593-F1A15B6ADCE5}" destId="{38CB0F7D-8FFF-4875-8198-54356BC360B5}" srcOrd="2" destOrd="0" parTransId="{D47D12E4-481B-4D09-8EAA-7389F1A0544B}" sibTransId="{A51D544B-99D8-43C5-9414-04ECF8A153D2}"/>
+    <dgm:cxn modelId="{716CE48B-67E1-4921-B7B2-860CFCD87762}" type="presOf" srcId="{CF6FC4B0-AC3D-421C-ADEC-A2BFE6FF6C6E}" destId="{5FE08C06-E459-4519-AB44-46AF97710681}" srcOrd="0" destOrd="0" presId="urn:microsoft.com/office/officeart/2005/8/layout/list1"/>
+    <dgm:cxn modelId="{53FADB42-A612-4086-84EF-4065FF2A2A03}" srcId="{2C5BE1EF-7541-4BC6-8593-F1A15B6ADCE5}" destId="{BA8D9B5A-100A-44CC-A4D4-FC58A65EB6A7}" srcOrd="3" destOrd="0" parTransId="{75BCABE2-50B2-4F64-9A3A-CA06DCEAD398}" sibTransId="{5A306A28-EE26-4B84-A886-24CCC0BEA851}"/>
+    <dgm:cxn modelId="{DA00D4AF-D8A9-4803-B359-7B194B833C3E}" type="presOf" srcId="{47C9F579-C31F-4985-BB46-AFA28F5AADE7}" destId="{BF2AC1D8-0043-417C-A4F0-948FF44D7D32}" srcOrd="1" destOrd="0" presId="urn:microsoft.com/office/officeart/2005/8/layout/list1"/>
     <dgm:cxn modelId="{069A7C65-3EDC-47A3-8340-0C7F7F5CEBF9}" type="presParOf" srcId="{AABE37A0-0D16-4766-BD13-80684C312A31}" destId="{333B8621-2D3E-4E7A-898A-FBEA74977E85}" srcOrd="0" destOrd="0" presId="urn:microsoft.com/office/officeart/2005/8/layout/list1"/>
     <dgm:cxn modelId="{4F572E91-9436-4C2F-A090-BADFC5D670D0}" type="presParOf" srcId="{333B8621-2D3E-4E7A-898A-FBEA74977E85}" destId="{B31DD0AB-9C1B-4EBC-AC54-08C1846A7664}" srcOrd="0" destOrd="0" presId="urn:microsoft.com/office/officeart/2005/8/layout/list1"/>
     <dgm:cxn modelId="{58D0C0DE-3AC1-42B0-8574-96E9D18F1375}" type="presParOf" srcId="{333B8621-2D3E-4E7A-898A-FBEA74977E85}" destId="{7179DDCC-99E3-4C84-A199-E01C093D327F}" srcOrd="1" destOrd="0" presId="urn:microsoft.com/office/officeart/2005/8/layout/list1"/>
@@ -7814,42 +7883,42 @@
   <p:extLst mod="1">
     <p:ext uri="{27BBF7A9-308A-43DC-89C8-2F10F3537804}">
       <p15:sldGuideLst xmlns:p15="http://schemas.microsoft.com/office/powerpoint/2012/main">
-        <p15:guide id="4294967295" orient="horz" pos="1368">
+        <p15:guide id="1" orient="horz" pos="1368">
           <p15:clr>
             <a:srgbClr val="F26B43"/>
           </p15:clr>
         </p15:guide>
-        <p15:guide id="4294967295" orient="horz" pos="1440">
+        <p15:guide id="2" orient="horz" pos="1440">
           <p15:clr>
             <a:srgbClr val="F26B43"/>
           </p15:clr>
         </p15:guide>
-        <p15:guide id="4294967295" orient="horz" pos="3696">
+        <p15:guide id="3" orient="horz" pos="3696">
           <p15:clr>
             <a:srgbClr val="F26B43"/>
           </p15:clr>
         </p15:guide>
-        <p15:guide id="4294967295" orient="horz" pos="432">
+        <p15:guide id="4" orient="horz" pos="432">
           <p15:clr>
             <a:srgbClr val="F26B43"/>
           </p15:clr>
         </p15:guide>
-        <p15:guide id="4294967295" orient="horz" pos="1512">
+        <p15:guide id="5" orient="horz" pos="1512">
           <p15:clr>
             <a:srgbClr val="F26B43"/>
           </p15:clr>
         </p15:guide>
-        <p15:guide id="4294967295" pos="6912">
+        <p15:guide id="6" pos="6912">
           <p15:clr>
             <a:srgbClr val="F26B43"/>
           </p15:clr>
         </p15:guide>
-        <p15:guide id="4294967295" pos="936">
+        <p15:guide id="7" pos="936">
           <p15:clr>
             <a:srgbClr val="F26B43"/>
           </p15:clr>
         </p15:guide>
-        <p15:guide id="4294967295" pos="864">
+        <p15:guide id="8" pos="864">
           <p15:clr>
             <a:srgbClr val="F26B43"/>
           </p15:clr>
@@ -8050,7 +8119,7 @@
       </p:grpSpPr>
       <p:sp>
         <p:nvSpPr>
-          <p:cNvPr id="7" name="Заголовок 6"/>
+          <p:cNvPr id="2" name="Заголовок 1"/>
           <p:cNvSpPr>
             <a:spLocks noGrp="1"/>
           </p:cNvSpPr>
@@ -8069,69 +8138,12 @@
       </p:sp>
       <p:sp>
         <p:nvSpPr>
-          <p:cNvPr id="8" name="Текст 7"/>
-          <p:cNvSpPr>
-            <a:spLocks noGrp="1"/>
-          </p:cNvSpPr>
-          <p:nvPr>
-            <p:ph type="body" idx="1"/>
-          </p:nvPr>
-        </p:nvSpPr>
-        <p:spPr/>
-        <p:txBody>
-          <a:bodyPr/>
-          <a:lstStyle/>
-          <a:p>
-            <a:endParaRPr lang="ru-RU"/>
-          </a:p>
-        </p:txBody>
-      </p:sp>
-      <p:sp>
-        <p:nvSpPr>
-          <p:cNvPr id="9" name="Объект 8"/>
-          <p:cNvSpPr>
-            <a:spLocks noGrp="1"/>
-          </p:cNvSpPr>
-          <p:nvPr>
-            <p:ph sz="half" idx="2"/>
-          </p:nvPr>
-        </p:nvSpPr>
-        <p:spPr/>
-        <p:txBody>
-          <a:bodyPr/>
-          <a:lstStyle/>
-          <a:p>
-            <a:endParaRPr lang="ru-RU"/>
-          </a:p>
-        </p:txBody>
-      </p:sp>
-      <p:sp>
-        <p:nvSpPr>
-          <p:cNvPr id="10" name="Текст 9"/>
-          <p:cNvSpPr>
-            <a:spLocks noGrp="1"/>
-          </p:cNvSpPr>
-          <p:nvPr>
-            <p:ph type="body" sz="quarter" idx="3"/>
-          </p:nvPr>
-        </p:nvSpPr>
-        <p:spPr/>
-        <p:txBody>
-          <a:bodyPr/>
-          <a:lstStyle/>
-          <a:p>
-            <a:endParaRPr lang="ru-RU"/>
-          </a:p>
-        </p:txBody>
-      </p:sp>
-      <p:sp>
-        <p:nvSpPr>
-          <p:cNvPr id="11" name="Объект 10"/>
-          <p:cNvSpPr>
-            <a:spLocks noGrp="1"/>
-          </p:cNvSpPr>
-          <p:nvPr>
-            <p:ph sz="quarter" idx="4"/>
+          <p:cNvPr id="3" name="Объект 2"/>
+          <p:cNvSpPr>
+            <a:spLocks noGrp="1"/>
+          </p:cNvSpPr>
+          <p:nvPr>
+            <p:ph idx="1"/>
           </p:nvPr>
         </p:nvSpPr>
         <p:spPr/>
@@ -8215,20 +8227,13 @@
     </p:spTree>
     <p:extLst>
       <p:ext uri="{BB962C8B-B14F-4D97-AF65-F5344CB8AC3E}">
-        <p14:creationId xmlns:p14="http://schemas.microsoft.com/office/powerpoint/2010/main" val="1065862491"/>
+        <p14:creationId xmlns:p14="http://schemas.microsoft.com/office/powerpoint/2010/main" val="2385516460"/>
       </p:ext>
     </p:extLst>
   </p:cSld>
   <p:clrMapOvr>
     <a:masterClrMapping/>
   </p:clrMapOvr>
-  <p:timing>
-    <p:tnLst>
-      <p:par>
-        <p:cTn id="1" dur="indefinite" restart="never" nodeType="tmRoot"/>
-      </p:par>
-    </p:tnLst>
-  </p:timing>
 </p:sld>
 </file>
 
@@ -8947,7 +8952,188 @@
                   <a:schemeClr val="bg1"/>
                 </a:solidFill>
               </a:rPr>
-              <a:t>Выбранные решения</a:t>
+              <a:t>Архитектура</a:t>
+            </a:r>
+            <a:endParaRPr lang="ru-RU" dirty="0">
+              <a:solidFill>
+                <a:schemeClr val="bg1"/>
+              </a:solidFill>
+            </a:endParaRPr>
+          </a:p>
+        </p:txBody>
+      </p:sp>
+    </p:spTree>
+    <p:extLst>
+      <p:ext uri="{BB962C8B-B14F-4D97-AF65-F5344CB8AC3E}">
+        <p14:creationId xmlns:p14="http://schemas.microsoft.com/office/powerpoint/2010/main" val="964540869"/>
+      </p:ext>
+    </p:extLst>
+  </p:cSld>
+  <p:clrMapOvr>
+    <a:masterClrMapping/>
+  </p:clrMapOvr>
+  <p:timing>
+    <p:tnLst>
+      <p:par>
+        <p:cTn id="1" dur="indefinite" restart="never" nodeType="tmRoot"/>
+      </p:par>
+    </p:tnLst>
+  </p:timing>
+</p:sld>
+</file>
+
+<file path=ppt/slides/slide6.xml><?xml version="1.0" encoding="utf-8"?>
+<p:sld xmlns:a="http://schemas.openxmlformats.org/drawingml/2006/main" xmlns:r="http://schemas.openxmlformats.org/officeDocument/2006/relationships" xmlns:p="http://schemas.openxmlformats.org/presentationml/2006/main">
+  <p:cSld>
+    <p:spTree>
+      <p:nvGrpSpPr>
+        <p:cNvPr id="1" name=""/>
+        <p:cNvGrpSpPr/>
+        <p:nvPr/>
+      </p:nvGrpSpPr>
+      <p:grpSpPr>
+        <a:xfrm>
+          <a:off x="0" y="0"/>
+          <a:ext cx="0" cy="0"/>
+          <a:chOff x="0" y="0"/>
+          <a:chExt cx="0" cy="0"/>
+        </a:xfrm>
+      </p:grpSpPr>
+      <p:pic>
+        <p:nvPicPr>
+          <p:cNvPr id="19" name="Рисунок 18"/>
+          <p:cNvPicPr>
+            <a:picLocks noChangeAspect="1"/>
+          </p:cNvPicPr>
+          <p:nvPr/>
+        </p:nvPicPr>
+        <p:blipFill>
+          <a:blip r:embed="rId2">
+            <a:extLst>
+              <a:ext uri="{28A0092B-C50C-407E-A947-70E740481C1C}">
+                <a14:useLocalDpi xmlns:a14="http://schemas.microsoft.com/office/drawing/2010/main" val="0"/>
+              </a:ext>
+            </a:extLst>
+          </a:blip>
+          <a:stretch>
+            <a:fillRect/>
+          </a:stretch>
+        </p:blipFill>
+        <p:spPr>
+          <a:xfrm>
+            <a:off x="5824898" y="260257"/>
+            <a:ext cx="2247714" cy="6282545"/>
+          </a:xfrm>
+          <a:prstGeom prst="rect">
+            <a:avLst/>
+          </a:prstGeom>
+        </p:spPr>
+      </p:pic>
+      <p:sp>
+        <p:nvSpPr>
+          <p:cNvPr id="4" name="Дата 3"/>
+          <p:cNvSpPr>
+            <a:spLocks noGrp="1"/>
+          </p:cNvSpPr>
+          <p:nvPr>
+            <p:ph type="dt" sz="half" idx="10"/>
+          </p:nvPr>
+        </p:nvSpPr>
+        <p:spPr/>
+        <p:txBody>
+          <a:bodyPr/>
+          <a:lstStyle/>
+          <a:p>
+            <a:fld id="{252C52C0-D35B-4224-942B-71D7F3E2E78C}" type="datetime1">
+              <a:rPr lang="ru-RU" smtClean="0"/>
+              <a:t>18.05.20</a:t>
+            </a:fld>
+            <a:endParaRPr lang="ru-RU"/>
+          </a:p>
+        </p:txBody>
+      </p:sp>
+      <p:sp>
+        <p:nvSpPr>
+          <p:cNvPr id="5" name="Нижний колонтитул 4"/>
+          <p:cNvSpPr>
+            <a:spLocks noGrp="1"/>
+          </p:cNvSpPr>
+          <p:nvPr>
+            <p:ph type="ftr" sz="quarter" idx="11"/>
+          </p:nvPr>
+        </p:nvSpPr>
+        <p:spPr/>
+        <p:txBody>
+          <a:bodyPr/>
+          <a:lstStyle/>
+          <a:p>
+            <a:r>
+              <a:rPr lang="ru-RU" smtClean="0"/>
+              <a:t>Команда "Костыли"</a:t>
+            </a:r>
+            <a:endParaRPr lang="ru-RU"/>
+          </a:p>
+        </p:txBody>
+      </p:sp>
+      <p:sp>
+        <p:nvSpPr>
+          <p:cNvPr id="6" name="Номер слайда 5"/>
+          <p:cNvSpPr>
+            <a:spLocks noGrp="1"/>
+          </p:cNvSpPr>
+          <p:nvPr>
+            <p:ph type="sldNum" sz="quarter" idx="12"/>
+          </p:nvPr>
+        </p:nvSpPr>
+        <p:spPr/>
+        <p:txBody>
+          <a:bodyPr/>
+          <a:lstStyle/>
+          <a:p>
+            <a:fld id="{E47B63C8-352C-4D56-98C3-588D31FA3F5E}" type="slidenum">
+              <a:rPr lang="ru-RU" smtClean="0"/>
+              <a:t>6</a:t>
+            </a:fld>
+            <a:endParaRPr lang="ru-RU"/>
+          </a:p>
+        </p:txBody>
+      </p:sp>
+      <p:sp>
+        <p:nvSpPr>
+          <p:cNvPr id="18" name="Заголовок 11"/>
+          <p:cNvSpPr>
+            <a:spLocks noGrp="1"/>
+          </p:cNvSpPr>
+          <p:nvPr>
+            <p:ph type="title"/>
+          </p:nvPr>
+        </p:nvSpPr>
+        <p:spPr>
+          <a:xfrm>
+            <a:off x="723900" y="124178"/>
+            <a:ext cx="3855720" cy="6186311"/>
+          </a:xfrm>
+        </p:spPr>
+        <p:txBody>
+          <a:bodyPr anchor="ctr"/>
+          <a:lstStyle/>
+          <a:p>
+            <a:pPr algn="ctr"/>
+            <a:r>
+              <a:rPr lang="ru-RU" dirty="0" smtClean="0">
+                <a:solidFill>
+                  <a:schemeClr val="bg1"/>
+                </a:solidFill>
+              </a:rPr>
+              <a:t>Выбранные </a:t>
+            </a:r>
+            <a:r>
+              <a:rPr lang="ru-RU" dirty="0" smtClean="0">
+                <a:solidFill>
+                  <a:schemeClr val="bg1"/>
+                </a:solidFill>
+              </a:rPr>
+              <a:t>средства</a:t>
             </a:r>
             <a:endParaRPr lang="ru-RU" dirty="0">
               <a:solidFill>
@@ -9187,128 +9373,6 @@
 </p:sld>
 </file>
 
-<file path=ppt/slides/slide6.xml><?xml version="1.0" encoding="utf-8"?>
-<p:sld xmlns:a="http://schemas.openxmlformats.org/drawingml/2006/main" xmlns:r="http://schemas.openxmlformats.org/officeDocument/2006/relationships" xmlns:p="http://schemas.openxmlformats.org/presentationml/2006/main">
-  <p:cSld>
-    <p:spTree>
-      <p:nvGrpSpPr>
-        <p:cNvPr id="1" name=""/>
-        <p:cNvGrpSpPr/>
-        <p:nvPr/>
-      </p:nvGrpSpPr>
-      <p:grpSpPr>
-        <a:xfrm>
-          <a:off x="0" y="0"/>
-          <a:ext cx="0" cy="0"/>
-          <a:chOff x="0" y="0"/>
-          <a:chExt cx="0" cy="0"/>
-        </a:xfrm>
-      </p:grpSpPr>
-      <p:sp>
-        <p:nvSpPr>
-          <p:cNvPr id="8" name="Заголовок 7"/>
-          <p:cNvSpPr>
-            <a:spLocks noGrp="1"/>
-          </p:cNvSpPr>
-          <p:nvPr>
-            <p:ph type="title"/>
-          </p:nvPr>
-        </p:nvSpPr>
-        <p:spPr/>
-        <p:txBody>
-          <a:bodyPr/>
-          <a:lstStyle/>
-          <a:p>
-            <a:r>
-              <a:rPr lang="ru-RU" dirty="0" smtClean="0"/>
-              <a:t>Дизайнерские потуги</a:t>
-            </a:r>
-            <a:endParaRPr lang="ru-RU" dirty="0"/>
-          </a:p>
-        </p:txBody>
-      </p:sp>
-      <p:sp>
-        <p:nvSpPr>
-          <p:cNvPr id="5" name="Дата 4"/>
-          <p:cNvSpPr>
-            <a:spLocks noGrp="1"/>
-          </p:cNvSpPr>
-          <p:nvPr>
-            <p:ph type="dt" sz="half" idx="10"/>
-          </p:nvPr>
-        </p:nvSpPr>
-        <p:spPr/>
-        <p:txBody>
-          <a:bodyPr/>
-          <a:lstStyle/>
-          <a:p>
-            <a:fld id="{95015335-9470-400F-92E0-30D5A3564441}" type="datetime1">
-              <a:rPr lang="ru-RU" smtClean="0"/>
-              <a:t>18.05.20</a:t>
-            </a:fld>
-            <a:endParaRPr lang="ru-RU"/>
-          </a:p>
-        </p:txBody>
-      </p:sp>
-      <p:sp>
-        <p:nvSpPr>
-          <p:cNvPr id="6" name="Нижний колонтитул 5"/>
-          <p:cNvSpPr>
-            <a:spLocks noGrp="1"/>
-          </p:cNvSpPr>
-          <p:nvPr>
-            <p:ph type="ftr" sz="quarter" idx="11"/>
-          </p:nvPr>
-        </p:nvSpPr>
-        <p:spPr/>
-        <p:txBody>
-          <a:bodyPr/>
-          <a:lstStyle/>
-          <a:p>
-            <a:r>
-              <a:rPr lang="ru-RU" smtClean="0"/>
-              <a:t>Команда "Костыли"</a:t>
-            </a:r>
-            <a:endParaRPr lang="ru-RU"/>
-          </a:p>
-        </p:txBody>
-      </p:sp>
-      <p:sp>
-        <p:nvSpPr>
-          <p:cNvPr id="7" name="Номер слайда 6"/>
-          <p:cNvSpPr>
-            <a:spLocks noGrp="1"/>
-          </p:cNvSpPr>
-          <p:nvPr>
-            <p:ph type="sldNum" sz="quarter" idx="12"/>
-          </p:nvPr>
-        </p:nvSpPr>
-        <p:spPr/>
-        <p:txBody>
-          <a:bodyPr/>
-          <a:lstStyle/>
-          <a:p>
-            <a:fld id="{E47B63C8-352C-4D56-98C3-588D31FA3F5E}" type="slidenum">
-              <a:rPr lang="ru-RU" smtClean="0"/>
-              <a:t>6</a:t>
-            </a:fld>
-            <a:endParaRPr lang="ru-RU"/>
-          </a:p>
-        </p:txBody>
-      </p:sp>
-    </p:spTree>
-    <p:extLst>
-      <p:ext uri="{BB962C8B-B14F-4D97-AF65-F5344CB8AC3E}">
-        <p14:creationId xmlns:p14="http://schemas.microsoft.com/office/powerpoint/2010/main" val="2193858393"/>
-      </p:ext>
-    </p:extLst>
-  </p:cSld>
-  <p:clrMapOvr>
-    <a:masterClrMapping/>
-  </p:clrMapOvr>
-</p:sld>
-</file>
-
 <file path=ppt/slides/slide7.xml><?xml version="1.0" encoding="utf-8"?>
 <p:sld xmlns:a="http://schemas.openxmlformats.org/drawingml/2006/main" xmlns:r="http://schemas.openxmlformats.org/officeDocument/2006/relationships" xmlns:p="http://schemas.openxmlformats.org/presentationml/2006/main">
   <p:cSld>
@@ -9328,6 +9392,175 @@
       </p:grpSpPr>
       <p:sp>
         <p:nvSpPr>
+          <p:cNvPr id="8" name="Заголовок 7"/>
+          <p:cNvSpPr>
+            <a:spLocks noGrp="1"/>
+          </p:cNvSpPr>
+          <p:nvPr>
+            <p:ph type="title"/>
+          </p:nvPr>
+        </p:nvSpPr>
+        <p:spPr/>
+        <p:txBody>
+          <a:bodyPr/>
+          <a:lstStyle/>
+          <a:p>
+            <a:r>
+              <a:rPr lang="ru-RU" dirty="0" smtClean="0"/>
+              <a:t>Дизайнерские потуги</a:t>
+            </a:r>
+            <a:endParaRPr lang="ru-RU" dirty="0"/>
+          </a:p>
+        </p:txBody>
+      </p:sp>
+      <p:sp>
+        <p:nvSpPr>
+          <p:cNvPr id="5" name="Дата 4"/>
+          <p:cNvSpPr>
+            <a:spLocks noGrp="1"/>
+          </p:cNvSpPr>
+          <p:nvPr>
+            <p:ph type="dt" sz="half" idx="10"/>
+          </p:nvPr>
+        </p:nvSpPr>
+        <p:spPr/>
+        <p:txBody>
+          <a:bodyPr/>
+          <a:lstStyle/>
+          <a:p>
+            <a:fld id="{95015335-9470-400F-92E0-30D5A3564441}" type="datetime1">
+              <a:rPr lang="ru-RU" smtClean="0"/>
+              <a:t>18.05.20</a:t>
+            </a:fld>
+            <a:endParaRPr lang="ru-RU"/>
+          </a:p>
+        </p:txBody>
+      </p:sp>
+      <p:sp>
+        <p:nvSpPr>
+          <p:cNvPr id="6" name="Нижний колонтитул 5"/>
+          <p:cNvSpPr>
+            <a:spLocks noGrp="1"/>
+          </p:cNvSpPr>
+          <p:nvPr>
+            <p:ph type="ftr" sz="quarter" idx="11"/>
+          </p:nvPr>
+        </p:nvSpPr>
+        <p:spPr/>
+        <p:txBody>
+          <a:bodyPr/>
+          <a:lstStyle/>
+          <a:p>
+            <a:r>
+              <a:rPr lang="ru-RU" smtClean="0"/>
+              <a:t>Команда "Костыли"</a:t>
+            </a:r>
+            <a:endParaRPr lang="ru-RU"/>
+          </a:p>
+        </p:txBody>
+      </p:sp>
+      <p:sp>
+        <p:nvSpPr>
+          <p:cNvPr id="7" name="Номер слайда 6"/>
+          <p:cNvSpPr>
+            <a:spLocks noGrp="1"/>
+          </p:cNvSpPr>
+          <p:nvPr>
+            <p:ph type="sldNum" sz="quarter" idx="12"/>
+          </p:nvPr>
+        </p:nvSpPr>
+        <p:spPr/>
+        <p:txBody>
+          <a:bodyPr/>
+          <a:lstStyle/>
+          <a:p>
+            <a:fld id="{E47B63C8-352C-4D56-98C3-588D31FA3F5E}" type="slidenum">
+              <a:rPr lang="ru-RU" smtClean="0"/>
+              <a:t>7</a:t>
+            </a:fld>
+            <a:endParaRPr lang="ru-RU"/>
+          </a:p>
+        </p:txBody>
+      </p:sp>
+      <p:pic>
+        <p:nvPicPr>
+          <p:cNvPr id="2" name="Рисунок 1"/>
+          <p:cNvPicPr>
+            <a:picLocks noChangeAspect="1"/>
+          </p:cNvPicPr>
+          <p:nvPr/>
+        </p:nvPicPr>
+        <p:blipFill rotWithShape="1">
+          <a:blip r:embed="rId2"/>
+          <a:srcRect t="8621" r="1238"/>
+          <a:stretch/>
+        </p:blipFill>
+        <p:spPr>
+          <a:xfrm>
+            <a:off x="1263448" y="1136650"/>
+            <a:ext cx="9541061" cy="4800145"/>
+          </a:xfrm>
+          <a:prstGeom prst="roundRect">
+            <a:avLst>
+              <a:gd name="adj" fmla="val 50000"/>
+            </a:avLst>
+          </a:prstGeom>
+          <a:ln>
+            <a:noFill/>
+          </a:ln>
+          <a:effectLst>
+            <a:outerShdw blurRad="152400" dist="12000" dir="900000" sy="98000" kx="110000" ky="200000" algn="tl" rotWithShape="0">
+              <a:srgbClr val="000000">
+                <a:alpha val="30000"/>
+              </a:srgbClr>
+            </a:outerShdw>
+          </a:effectLst>
+          <a:scene3d>
+            <a:camera prst="perspectiveRelaxed">
+              <a:rot lat="19800000" lon="1200000" rev="20820000"/>
+            </a:camera>
+            <a:lightRig rig="threePt" dir="t"/>
+          </a:scene3d>
+          <a:sp3d contourW="6350" prstMaterial="matte">
+            <a:bevelT w="101600" h="101600"/>
+            <a:contourClr>
+              <a:srgbClr val="969696"/>
+            </a:contourClr>
+          </a:sp3d>
+        </p:spPr>
+      </p:pic>
+    </p:spTree>
+    <p:extLst>
+      <p:ext uri="{BB962C8B-B14F-4D97-AF65-F5344CB8AC3E}">
+        <p14:creationId xmlns:p14="http://schemas.microsoft.com/office/powerpoint/2010/main" val="2193858393"/>
+      </p:ext>
+    </p:extLst>
+  </p:cSld>
+  <p:clrMapOvr>
+    <a:masterClrMapping/>
+  </p:clrMapOvr>
+</p:sld>
+</file>
+
+<file path=ppt/slides/slide8.xml><?xml version="1.0" encoding="utf-8"?>
+<p:sld xmlns:a="http://schemas.openxmlformats.org/drawingml/2006/main" xmlns:r="http://schemas.openxmlformats.org/officeDocument/2006/relationships" xmlns:p="http://schemas.openxmlformats.org/presentationml/2006/main">
+  <p:cSld>
+    <p:spTree>
+      <p:nvGrpSpPr>
+        <p:cNvPr id="1" name=""/>
+        <p:cNvGrpSpPr/>
+        <p:nvPr/>
+      </p:nvGrpSpPr>
+      <p:grpSpPr>
+        <a:xfrm>
+          <a:off x="0" y="0"/>
+          <a:ext cx="0" cy="0"/>
+          <a:chOff x="0" y="0"/>
+          <a:chExt cx="0" cy="0"/>
+        </a:xfrm>
+      </p:grpSpPr>
+      <p:sp>
+        <p:nvSpPr>
           <p:cNvPr id="4" name="Заголовок 3"/>
           <p:cNvSpPr>
             <a:spLocks noGrp="1"/>
@@ -9442,7 +9675,7 @@
           <a:p>
             <a:fld id="{E47B63C8-352C-4D56-98C3-588D31FA3F5E}" type="slidenum">
               <a:rPr lang="ru-RU" smtClean="0"/>
-              <a:t>7</a:t>
+              <a:t>8</a:t>
             </a:fld>
             <a:endParaRPr lang="ru-RU"/>
           </a:p>

--- a/documentation/specification/media/Презентация/Презентация.pptx
+++ b/documentation/specification/media/Презентация/Презентация.pptx
@@ -5,17 +5,16 @@
     <p:sldMasterId id="2147483738" r:id="rId1"/>
   </p:sldMasterIdLst>
   <p:notesMasterIdLst>
-    <p:notesMasterId r:id="rId10"/>
+    <p:notesMasterId r:id="rId9"/>
   </p:notesMasterIdLst>
   <p:sldIdLst>
     <p:sldId id="256" r:id="rId2"/>
-    <p:sldId id="268" r:id="rId3"/>
-    <p:sldId id="260" r:id="rId4"/>
-    <p:sldId id="262" r:id="rId5"/>
-    <p:sldId id="267" r:id="rId6"/>
-    <p:sldId id="264" r:id="rId7"/>
-    <p:sldId id="266" r:id="rId8"/>
-    <p:sldId id="258" r:id="rId9"/>
+    <p:sldId id="260" r:id="rId3"/>
+    <p:sldId id="262" r:id="rId4"/>
+    <p:sldId id="267" r:id="rId5"/>
+    <p:sldId id="264" r:id="rId6"/>
+    <p:sldId id="266" r:id="rId7"/>
+    <p:sldId id="258" r:id="rId8"/>
   </p:sldIdLst>
   <p:sldSz cx="12192000" cy="6858000"/>
   <p:notesSz cx="6858000" cy="9144000"/>
@@ -8007,6 +8006,10 @@
           <a:bodyPr/>
           <a:lstStyle/>
           <a:p>
+            <a:r>
+              <a:rPr lang="ru-RU" dirty="0" smtClean="0"/>
+              <a:t>Ваш лучший помощник</a:t>
+            </a:r>
             <a:endParaRPr lang="ru-RU" dirty="0"/>
           </a:p>
         </p:txBody>
@@ -8119,7 +8122,7 @@
       </p:grpSpPr>
       <p:sp>
         <p:nvSpPr>
-          <p:cNvPr id="2" name="Заголовок 1"/>
+          <p:cNvPr id="12" name="Заголовок 11"/>
           <p:cNvSpPr>
             <a:spLocks noGrp="1"/>
           </p:cNvSpPr>
@@ -8127,34 +8130,58 @@
             <p:ph type="title"/>
           </p:nvPr>
         </p:nvSpPr>
-        <p:spPr/>
-        <p:txBody>
-          <a:bodyPr/>
+        <p:spPr>
+          <a:xfrm>
+            <a:off x="723900" y="124178"/>
+            <a:ext cx="3855720" cy="6186311"/>
+          </a:xfrm>
+        </p:spPr>
+        <p:txBody>
+          <a:bodyPr anchor="ctr"/>
           <a:lstStyle/>
           <a:p>
-            <a:endParaRPr lang="ru-RU"/>
-          </a:p>
-        </p:txBody>
-      </p:sp>
-      <p:sp>
-        <p:nvSpPr>
-          <p:cNvPr id="3" name="Объект 2"/>
-          <p:cNvSpPr>
-            <a:spLocks noGrp="1"/>
-          </p:cNvSpPr>
+            <a:pPr algn="ctr"/>
+            <a:r>
+              <a:rPr lang="ru-RU" dirty="0" smtClean="0">
+                <a:solidFill>
+                  <a:schemeClr val="bg1"/>
+                </a:solidFill>
+              </a:rPr>
+              <a:t>Возможности</a:t>
+            </a:r>
+            <a:endParaRPr lang="ru-RU" dirty="0">
+              <a:solidFill>
+                <a:schemeClr val="bg1"/>
+              </a:solidFill>
+            </a:endParaRPr>
+          </a:p>
+        </p:txBody>
+      </p:sp>
+      <p:graphicFrame>
+        <p:nvGraphicFramePr>
+          <p:cNvPr id="15" name="Объект 14"/>
+          <p:cNvGraphicFramePr>
+            <a:graphicFrameLocks noGrp="1"/>
+          </p:cNvGraphicFramePr>
           <p:nvPr>
             <p:ph idx="1"/>
-          </p:nvPr>
-        </p:nvSpPr>
-        <p:spPr/>
-        <p:txBody>
-          <a:bodyPr/>
-          <a:lstStyle/>
-          <a:p>
-            <a:endParaRPr lang="ru-RU"/>
-          </a:p>
-        </p:txBody>
-      </p:sp>
+            <p:extLst>
+              <p:ext uri="{D42A27DB-BD31-4B8C-83A1-F6EECF244321}">
+                <p14:modId xmlns:p14="http://schemas.microsoft.com/office/powerpoint/2010/main" val="2590223850"/>
+              </p:ext>
+            </p:extLst>
+          </p:nvPr>
+        </p:nvGraphicFramePr>
+        <p:xfrm>
+          <a:off x="5671457" y="185056"/>
+          <a:ext cx="6379029" cy="6268329"/>
+        </p:xfrm>
+        <a:graphic>
+          <a:graphicData uri="http://schemas.openxmlformats.org/drawingml/2006/diagram">
+            <dgm:relIds xmlns:dgm="http://schemas.openxmlformats.org/drawingml/2006/diagram" xmlns:r="http://schemas.openxmlformats.org/officeDocument/2006/relationships" r:dm="rId2" r:lo="rId3" r:qs="rId4" r:cs="rId5"/>
+          </a:graphicData>
+        </a:graphic>
+      </p:graphicFrame>
       <p:sp>
         <p:nvSpPr>
           <p:cNvPr id="4" name="Дата 3"/>
@@ -8227,13 +8254,20 @@
     </p:spTree>
     <p:extLst>
       <p:ext uri="{BB962C8B-B14F-4D97-AF65-F5344CB8AC3E}">
-        <p14:creationId xmlns:p14="http://schemas.microsoft.com/office/powerpoint/2010/main" val="2385516460"/>
+        <p14:creationId xmlns:p14="http://schemas.microsoft.com/office/powerpoint/2010/main" val="3729640497"/>
       </p:ext>
     </p:extLst>
   </p:cSld>
   <p:clrMapOvr>
     <a:masterClrMapping/>
   </p:clrMapOvr>
+  <p:timing>
+    <p:tnLst>
+      <p:par>
+        <p:cTn id="1" dur="indefinite" restart="never" nodeType="tmRoot"/>
+      </p:par>
+    </p:tnLst>
+  </p:timing>
 </p:sld>
 </file>
 
@@ -8256,68 +8290,6 @@
       </p:grpSpPr>
       <p:sp>
         <p:nvSpPr>
-          <p:cNvPr id="12" name="Заголовок 11"/>
-          <p:cNvSpPr>
-            <a:spLocks noGrp="1"/>
-          </p:cNvSpPr>
-          <p:nvPr>
-            <p:ph type="title"/>
-          </p:nvPr>
-        </p:nvSpPr>
-        <p:spPr>
-          <a:xfrm>
-            <a:off x="723900" y="124178"/>
-            <a:ext cx="3855720" cy="6186311"/>
-          </a:xfrm>
-        </p:spPr>
-        <p:txBody>
-          <a:bodyPr anchor="ctr"/>
-          <a:lstStyle/>
-          <a:p>
-            <a:pPr algn="ctr"/>
-            <a:r>
-              <a:rPr lang="ru-RU" dirty="0" smtClean="0">
-                <a:solidFill>
-                  <a:schemeClr val="bg1"/>
-                </a:solidFill>
-              </a:rPr>
-              <a:t>Возможности</a:t>
-            </a:r>
-            <a:endParaRPr lang="ru-RU" dirty="0">
-              <a:solidFill>
-                <a:schemeClr val="bg1"/>
-              </a:solidFill>
-            </a:endParaRPr>
-          </a:p>
-        </p:txBody>
-      </p:sp>
-      <p:graphicFrame>
-        <p:nvGraphicFramePr>
-          <p:cNvPr id="15" name="Объект 14"/>
-          <p:cNvGraphicFramePr>
-            <a:graphicFrameLocks noGrp="1"/>
-          </p:cNvGraphicFramePr>
-          <p:nvPr>
-            <p:ph idx="1"/>
-            <p:extLst>
-              <p:ext uri="{D42A27DB-BD31-4B8C-83A1-F6EECF244321}">
-                <p14:modId xmlns:p14="http://schemas.microsoft.com/office/powerpoint/2010/main" val="2590223850"/>
-              </p:ext>
-            </p:extLst>
-          </p:nvPr>
-        </p:nvGraphicFramePr>
-        <p:xfrm>
-          <a:off x="5671457" y="185056"/>
-          <a:ext cx="6379029" cy="6268329"/>
-        </p:xfrm>
-        <a:graphic>
-          <a:graphicData uri="http://schemas.openxmlformats.org/drawingml/2006/diagram">
-            <dgm:relIds xmlns:dgm="http://schemas.openxmlformats.org/drawingml/2006/diagram" xmlns:r="http://schemas.openxmlformats.org/officeDocument/2006/relationships" r:dm="rId2" r:lo="rId3" r:qs="rId4" r:cs="rId5"/>
-          </a:graphicData>
-        </a:graphic>
-      </p:graphicFrame>
-      <p:sp>
-        <p:nvSpPr>
           <p:cNvPr id="4" name="Дата 3"/>
           <p:cNvSpPr>
             <a:spLocks noGrp="1"/>
@@ -8380,112 +8352,6 @@
             <a:fld id="{E47B63C8-352C-4D56-98C3-588D31FA3F5E}" type="slidenum">
               <a:rPr lang="ru-RU" smtClean="0"/>
               <a:t>3</a:t>
-            </a:fld>
-            <a:endParaRPr lang="ru-RU"/>
-          </a:p>
-        </p:txBody>
-      </p:sp>
-    </p:spTree>
-    <p:extLst>
-      <p:ext uri="{BB962C8B-B14F-4D97-AF65-F5344CB8AC3E}">
-        <p14:creationId xmlns:p14="http://schemas.microsoft.com/office/powerpoint/2010/main" val="3729640497"/>
-      </p:ext>
-    </p:extLst>
-  </p:cSld>
-  <p:clrMapOvr>
-    <a:masterClrMapping/>
-  </p:clrMapOvr>
-  <p:timing>
-    <p:tnLst>
-      <p:par>
-        <p:cTn id="1" dur="indefinite" restart="never" nodeType="tmRoot"/>
-      </p:par>
-    </p:tnLst>
-  </p:timing>
-</p:sld>
-</file>
-
-<file path=ppt/slides/slide4.xml><?xml version="1.0" encoding="utf-8"?>
-<p:sld xmlns:a="http://schemas.openxmlformats.org/drawingml/2006/main" xmlns:r="http://schemas.openxmlformats.org/officeDocument/2006/relationships" xmlns:p="http://schemas.openxmlformats.org/presentationml/2006/main">
-  <p:cSld>
-    <p:spTree>
-      <p:nvGrpSpPr>
-        <p:cNvPr id="1" name=""/>
-        <p:cNvGrpSpPr/>
-        <p:nvPr/>
-      </p:nvGrpSpPr>
-      <p:grpSpPr>
-        <a:xfrm>
-          <a:off x="0" y="0"/>
-          <a:ext cx="0" cy="0"/>
-          <a:chOff x="0" y="0"/>
-          <a:chExt cx="0" cy="0"/>
-        </a:xfrm>
-      </p:grpSpPr>
-      <p:sp>
-        <p:nvSpPr>
-          <p:cNvPr id="4" name="Дата 3"/>
-          <p:cNvSpPr>
-            <a:spLocks noGrp="1"/>
-          </p:cNvSpPr>
-          <p:nvPr>
-            <p:ph type="dt" sz="half" idx="10"/>
-          </p:nvPr>
-        </p:nvSpPr>
-        <p:spPr/>
-        <p:txBody>
-          <a:bodyPr/>
-          <a:lstStyle/>
-          <a:p>
-            <a:fld id="{252C52C0-D35B-4224-942B-71D7F3E2E78C}" type="datetime1">
-              <a:rPr lang="ru-RU" smtClean="0"/>
-              <a:t>18.05.20</a:t>
-            </a:fld>
-            <a:endParaRPr lang="ru-RU"/>
-          </a:p>
-        </p:txBody>
-      </p:sp>
-      <p:sp>
-        <p:nvSpPr>
-          <p:cNvPr id="5" name="Нижний колонтитул 4"/>
-          <p:cNvSpPr>
-            <a:spLocks noGrp="1"/>
-          </p:cNvSpPr>
-          <p:nvPr>
-            <p:ph type="ftr" sz="quarter" idx="11"/>
-          </p:nvPr>
-        </p:nvSpPr>
-        <p:spPr/>
-        <p:txBody>
-          <a:bodyPr/>
-          <a:lstStyle/>
-          <a:p>
-            <a:r>
-              <a:rPr lang="ru-RU" smtClean="0"/>
-              <a:t>Команда "Костыли"</a:t>
-            </a:r>
-            <a:endParaRPr lang="ru-RU"/>
-          </a:p>
-        </p:txBody>
-      </p:sp>
-      <p:sp>
-        <p:nvSpPr>
-          <p:cNvPr id="6" name="Номер слайда 5"/>
-          <p:cNvSpPr>
-            <a:spLocks noGrp="1"/>
-          </p:cNvSpPr>
-          <p:nvPr>
-            <p:ph type="sldNum" sz="quarter" idx="12"/>
-          </p:nvPr>
-        </p:nvSpPr>
-        <p:spPr/>
-        <p:txBody>
-          <a:bodyPr/>
-          <a:lstStyle/>
-          <a:p>
-            <a:fld id="{E47B63C8-352C-4D56-98C3-588D31FA3F5E}" type="slidenum">
-              <a:rPr lang="ru-RU" smtClean="0"/>
-              <a:t>4</a:t>
             </a:fld>
             <a:endParaRPr lang="ru-RU"/>
           </a:p>
@@ -8809,6 +8675,179 @@
 </p:sld>
 </file>
 
+<file path=ppt/slides/slide4.xml><?xml version="1.0" encoding="utf-8"?>
+<p:sld xmlns:a="http://schemas.openxmlformats.org/drawingml/2006/main" xmlns:r="http://schemas.openxmlformats.org/officeDocument/2006/relationships" xmlns:p="http://schemas.openxmlformats.org/presentationml/2006/main">
+  <p:cSld>
+    <p:spTree>
+      <p:nvGrpSpPr>
+        <p:cNvPr id="1" name=""/>
+        <p:cNvGrpSpPr/>
+        <p:nvPr/>
+      </p:nvGrpSpPr>
+      <p:grpSpPr>
+        <a:xfrm>
+          <a:off x="0" y="0"/>
+          <a:ext cx="0" cy="0"/>
+          <a:chOff x="0" y="0"/>
+          <a:chExt cx="0" cy="0"/>
+        </a:xfrm>
+      </p:grpSpPr>
+      <p:pic>
+        <p:nvPicPr>
+          <p:cNvPr id="19" name="Рисунок 18"/>
+          <p:cNvPicPr>
+            <a:picLocks noChangeAspect="1"/>
+          </p:cNvPicPr>
+          <p:nvPr/>
+        </p:nvPicPr>
+        <p:blipFill>
+          <a:blip r:embed="rId2">
+            <a:extLst>
+              <a:ext uri="{28A0092B-C50C-407E-A947-70E740481C1C}">
+                <a14:useLocalDpi xmlns:a14="http://schemas.microsoft.com/office/drawing/2010/main" val="0"/>
+              </a:ext>
+            </a:extLst>
+          </a:blip>
+          <a:stretch>
+            <a:fillRect/>
+          </a:stretch>
+        </p:blipFill>
+        <p:spPr>
+          <a:xfrm>
+            <a:off x="5824898" y="260257"/>
+            <a:ext cx="2247714" cy="6282545"/>
+          </a:xfrm>
+          <a:prstGeom prst="rect">
+            <a:avLst/>
+          </a:prstGeom>
+        </p:spPr>
+      </p:pic>
+      <p:sp>
+        <p:nvSpPr>
+          <p:cNvPr id="4" name="Дата 3"/>
+          <p:cNvSpPr>
+            <a:spLocks noGrp="1"/>
+          </p:cNvSpPr>
+          <p:nvPr>
+            <p:ph type="dt" sz="half" idx="10"/>
+          </p:nvPr>
+        </p:nvSpPr>
+        <p:spPr/>
+        <p:txBody>
+          <a:bodyPr/>
+          <a:lstStyle/>
+          <a:p>
+            <a:fld id="{252C52C0-D35B-4224-942B-71D7F3E2E78C}" type="datetime1">
+              <a:rPr lang="ru-RU" smtClean="0"/>
+              <a:t>18.05.20</a:t>
+            </a:fld>
+            <a:endParaRPr lang="ru-RU"/>
+          </a:p>
+        </p:txBody>
+      </p:sp>
+      <p:sp>
+        <p:nvSpPr>
+          <p:cNvPr id="5" name="Нижний колонтитул 4"/>
+          <p:cNvSpPr>
+            <a:spLocks noGrp="1"/>
+          </p:cNvSpPr>
+          <p:nvPr>
+            <p:ph type="ftr" sz="quarter" idx="11"/>
+          </p:nvPr>
+        </p:nvSpPr>
+        <p:spPr/>
+        <p:txBody>
+          <a:bodyPr/>
+          <a:lstStyle/>
+          <a:p>
+            <a:r>
+              <a:rPr lang="ru-RU" smtClean="0"/>
+              <a:t>Команда "Костыли"</a:t>
+            </a:r>
+            <a:endParaRPr lang="ru-RU"/>
+          </a:p>
+        </p:txBody>
+      </p:sp>
+      <p:sp>
+        <p:nvSpPr>
+          <p:cNvPr id="6" name="Номер слайда 5"/>
+          <p:cNvSpPr>
+            <a:spLocks noGrp="1"/>
+          </p:cNvSpPr>
+          <p:nvPr>
+            <p:ph type="sldNum" sz="quarter" idx="12"/>
+          </p:nvPr>
+        </p:nvSpPr>
+        <p:spPr/>
+        <p:txBody>
+          <a:bodyPr/>
+          <a:lstStyle/>
+          <a:p>
+            <a:fld id="{E47B63C8-352C-4D56-98C3-588D31FA3F5E}" type="slidenum">
+              <a:rPr lang="ru-RU" smtClean="0"/>
+              <a:t>4</a:t>
+            </a:fld>
+            <a:endParaRPr lang="ru-RU"/>
+          </a:p>
+        </p:txBody>
+      </p:sp>
+      <p:sp>
+        <p:nvSpPr>
+          <p:cNvPr id="18" name="Заголовок 11"/>
+          <p:cNvSpPr>
+            <a:spLocks noGrp="1"/>
+          </p:cNvSpPr>
+          <p:nvPr>
+            <p:ph type="title"/>
+          </p:nvPr>
+        </p:nvSpPr>
+        <p:spPr>
+          <a:xfrm>
+            <a:off x="723900" y="124178"/>
+            <a:ext cx="3855720" cy="6186311"/>
+          </a:xfrm>
+        </p:spPr>
+        <p:txBody>
+          <a:bodyPr anchor="ctr"/>
+          <a:lstStyle/>
+          <a:p>
+            <a:pPr algn="ctr"/>
+            <a:r>
+              <a:rPr lang="ru-RU" dirty="0" smtClean="0">
+                <a:solidFill>
+                  <a:schemeClr val="bg1"/>
+                </a:solidFill>
+              </a:rPr>
+              <a:t>Архитектура</a:t>
+            </a:r>
+            <a:endParaRPr lang="ru-RU" dirty="0">
+              <a:solidFill>
+                <a:schemeClr val="bg1"/>
+              </a:solidFill>
+            </a:endParaRPr>
+          </a:p>
+        </p:txBody>
+      </p:sp>
+    </p:spTree>
+    <p:extLst>
+      <p:ext uri="{BB962C8B-B14F-4D97-AF65-F5344CB8AC3E}">
+        <p14:creationId xmlns:p14="http://schemas.microsoft.com/office/powerpoint/2010/main" val="964540869"/>
+      </p:ext>
+    </p:extLst>
+  </p:cSld>
+  <p:clrMapOvr>
+    <a:masterClrMapping/>
+  </p:clrMapOvr>
+  <p:timing>
+    <p:tnLst>
+      <p:par>
+        <p:cTn id="1" dur="indefinite" restart="never" nodeType="tmRoot"/>
+      </p:par>
+    </p:tnLst>
+  </p:timing>
+</p:sld>
+</file>
+
 <file path=ppt/slides/slide5.xml><?xml version="1.0" encoding="utf-8"?>
 <p:sld xmlns:a="http://schemas.openxmlformats.org/drawingml/2006/main" xmlns:r="http://schemas.openxmlformats.org/officeDocument/2006/relationships" xmlns:p="http://schemas.openxmlformats.org/presentationml/2006/main">
   <p:cSld>
@@ -8952,188 +8991,7 @@
                   <a:schemeClr val="bg1"/>
                 </a:solidFill>
               </a:rPr>
-              <a:t>Архитектура</a:t>
-            </a:r>
-            <a:endParaRPr lang="ru-RU" dirty="0">
-              <a:solidFill>
-                <a:schemeClr val="bg1"/>
-              </a:solidFill>
-            </a:endParaRPr>
-          </a:p>
-        </p:txBody>
-      </p:sp>
-    </p:spTree>
-    <p:extLst>
-      <p:ext uri="{BB962C8B-B14F-4D97-AF65-F5344CB8AC3E}">
-        <p14:creationId xmlns:p14="http://schemas.microsoft.com/office/powerpoint/2010/main" val="964540869"/>
-      </p:ext>
-    </p:extLst>
-  </p:cSld>
-  <p:clrMapOvr>
-    <a:masterClrMapping/>
-  </p:clrMapOvr>
-  <p:timing>
-    <p:tnLst>
-      <p:par>
-        <p:cTn id="1" dur="indefinite" restart="never" nodeType="tmRoot"/>
-      </p:par>
-    </p:tnLst>
-  </p:timing>
-</p:sld>
-</file>
-
-<file path=ppt/slides/slide6.xml><?xml version="1.0" encoding="utf-8"?>
-<p:sld xmlns:a="http://schemas.openxmlformats.org/drawingml/2006/main" xmlns:r="http://schemas.openxmlformats.org/officeDocument/2006/relationships" xmlns:p="http://schemas.openxmlformats.org/presentationml/2006/main">
-  <p:cSld>
-    <p:spTree>
-      <p:nvGrpSpPr>
-        <p:cNvPr id="1" name=""/>
-        <p:cNvGrpSpPr/>
-        <p:nvPr/>
-      </p:nvGrpSpPr>
-      <p:grpSpPr>
-        <a:xfrm>
-          <a:off x="0" y="0"/>
-          <a:ext cx="0" cy="0"/>
-          <a:chOff x="0" y="0"/>
-          <a:chExt cx="0" cy="0"/>
-        </a:xfrm>
-      </p:grpSpPr>
-      <p:pic>
-        <p:nvPicPr>
-          <p:cNvPr id="19" name="Рисунок 18"/>
-          <p:cNvPicPr>
-            <a:picLocks noChangeAspect="1"/>
-          </p:cNvPicPr>
-          <p:nvPr/>
-        </p:nvPicPr>
-        <p:blipFill>
-          <a:blip r:embed="rId2">
-            <a:extLst>
-              <a:ext uri="{28A0092B-C50C-407E-A947-70E740481C1C}">
-                <a14:useLocalDpi xmlns:a14="http://schemas.microsoft.com/office/drawing/2010/main" val="0"/>
-              </a:ext>
-            </a:extLst>
-          </a:blip>
-          <a:stretch>
-            <a:fillRect/>
-          </a:stretch>
-        </p:blipFill>
-        <p:spPr>
-          <a:xfrm>
-            <a:off x="5824898" y="260257"/>
-            <a:ext cx="2247714" cy="6282545"/>
-          </a:xfrm>
-          <a:prstGeom prst="rect">
-            <a:avLst/>
-          </a:prstGeom>
-        </p:spPr>
-      </p:pic>
-      <p:sp>
-        <p:nvSpPr>
-          <p:cNvPr id="4" name="Дата 3"/>
-          <p:cNvSpPr>
-            <a:spLocks noGrp="1"/>
-          </p:cNvSpPr>
-          <p:nvPr>
-            <p:ph type="dt" sz="half" idx="10"/>
-          </p:nvPr>
-        </p:nvSpPr>
-        <p:spPr/>
-        <p:txBody>
-          <a:bodyPr/>
-          <a:lstStyle/>
-          <a:p>
-            <a:fld id="{252C52C0-D35B-4224-942B-71D7F3E2E78C}" type="datetime1">
-              <a:rPr lang="ru-RU" smtClean="0"/>
-              <a:t>18.05.20</a:t>
-            </a:fld>
-            <a:endParaRPr lang="ru-RU"/>
-          </a:p>
-        </p:txBody>
-      </p:sp>
-      <p:sp>
-        <p:nvSpPr>
-          <p:cNvPr id="5" name="Нижний колонтитул 4"/>
-          <p:cNvSpPr>
-            <a:spLocks noGrp="1"/>
-          </p:cNvSpPr>
-          <p:nvPr>
-            <p:ph type="ftr" sz="quarter" idx="11"/>
-          </p:nvPr>
-        </p:nvSpPr>
-        <p:spPr/>
-        <p:txBody>
-          <a:bodyPr/>
-          <a:lstStyle/>
-          <a:p>
-            <a:r>
-              <a:rPr lang="ru-RU" smtClean="0"/>
-              <a:t>Команда "Костыли"</a:t>
-            </a:r>
-            <a:endParaRPr lang="ru-RU"/>
-          </a:p>
-        </p:txBody>
-      </p:sp>
-      <p:sp>
-        <p:nvSpPr>
-          <p:cNvPr id="6" name="Номер слайда 5"/>
-          <p:cNvSpPr>
-            <a:spLocks noGrp="1"/>
-          </p:cNvSpPr>
-          <p:nvPr>
-            <p:ph type="sldNum" sz="quarter" idx="12"/>
-          </p:nvPr>
-        </p:nvSpPr>
-        <p:spPr/>
-        <p:txBody>
-          <a:bodyPr/>
-          <a:lstStyle/>
-          <a:p>
-            <a:fld id="{E47B63C8-352C-4D56-98C3-588D31FA3F5E}" type="slidenum">
-              <a:rPr lang="ru-RU" smtClean="0"/>
-              <a:t>6</a:t>
-            </a:fld>
-            <a:endParaRPr lang="ru-RU"/>
-          </a:p>
-        </p:txBody>
-      </p:sp>
-      <p:sp>
-        <p:nvSpPr>
-          <p:cNvPr id="18" name="Заголовок 11"/>
-          <p:cNvSpPr>
-            <a:spLocks noGrp="1"/>
-          </p:cNvSpPr>
-          <p:nvPr>
-            <p:ph type="title"/>
-          </p:nvPr>
-        </p:nvSpPr>
-        <p:spPr>
-          <a:xfrm>
-            <a:off x="723900" y="124178"/>
-            <a:ext cx="3855720" cy="6186311"/>
-          </a:xfrm>
-        </p:spPr>
-        <p:txBody>
-          <a:bodyPr anchor="ctr"/>
-          <a:lstStyle/>
-          <a:p>
-            <a:pPr algn="ctr"/>
-            <a:r>
-              <a:rPr lang="ru-RU" dirty="0" smtClean="0">
-                <a:solidFill>
-                  <a:schemeClr val="bg1"/>
-                </a:solidFill>
-              </a:rPr>
-              <a:t>Выбранные </a:t>
-            </a:r>
-            <a:r>
-              <a:rPr lang="ru-RU" dirty="0" smtClean="0">
-                <a:solidFill>
-                  <a:schemeClr val="bg1"/>
-                </a:solidFill>
-              </a:rPr>
-              <a:t>средства</a:t>
+              <a:t>Выбранные средства</a:t>
             </a:r>
             <a:endParaRPr lang="ru-RU" dirty="0">
               <a:solidFill>
@@ -9373,7 +9231,7 @@
 </p:sld>
 </file>
 
-<file path=ppt/slides/slide7.xml><?xml version="1.0" encoding="utf-8"?>
+<file path=ppt/slides/slide6.xml><?xml version="1.0" encoding="utf-8"?>
 <p:sld xmlns:a="http://schemas.openxmlformats.org/drawingml/2006/main" xmlns:r="http://schemas.openxmlformats.org/officeDocument/2006/relationships" xmlns:p="http://schemas.openxmlformats.org/presentationml/2006/main">
   <p:cSld>
     <p:spTree>
@@ -9476,7 +9334,7 @@
           <a:p>
             <a:fld id="{E47B63C8-352C-4D56-98C3-588D31FA3F5E}" type="slidenum">
               <a:rPr lang="ru-RU" smtClean="0"/>
-              <a:t>7</a:t>
+              <a:t>6</a:t>
             </a:fld>
             <a:endParaRPr lang="ru-RU"/>
           </a:p>
@@ -9542,7 +9400,7 @@
 </p:sld>
 </file>
 
-<file path=ppt/slides/slide8.xml><?xml version="1.0" encoding="utf-8"?>
+<file path=ppt/slides/slide7.xml><?xml version="1.0" encoding="utf-8"?>
 <p:sld xmlns:a="http://schemas.openxmlformats.org/drawingml/2006/main" xmlns:r="http://schemas.openxmlformats.org/officeDocument/2006/relationships" xmlns:p="http://schemas.openxmlformats.org/presentationml/2006/main">
   <p:cSld>
     <p:spTree>
@@ -9608,6 +9466,14 @@
           <a:bodyPr/>
           <a:lstStyle/>
           <a:p>
+            <a:r>
+              <a:rPr lang="ru-RU" dirty="0"/>
+              <a:t>Ваш лучший </a:t>
+            </a:r>
+            <a:r>
+              <a:rPr lang="ru-RU" dirty="0" smtClean="0"/>
+              <a:t>помощник</a:t>
+            </a:r>
             <a:endParaRPr lang="ru-RU" dirty="0"/>
           </a:p>
         </p:txBody>
@@ -9675,7 +9541,7 @@
           <a:p>
             <a:fld id="{E47B63C8-352C-4D56-98C3-588D31FA3F5E}" type="slidenum">
               <a:rPr lang="ru-RU" smtClean="0"/>
-              <a:t>8</a:t>
+              <a:t>7</a:t>
             </a:fld>
             <a:endParaRPr lang="ru-RU"/>
           </a:p>
